--- a/GRPC.pptx
+++ b/GRPC.pptx
@@ -262,7 +262,7 @@
           <a:p>
             <a:fld id="{DB69512A-C63A-B04D-8538-30BFADEAC2B7}" type="datetimeFigureOut">
               <a:rPr lang="en-US" smtClean="0"/>
-              <a:t>3/27/20</a:t>
+              <a:t>4/22/21</a:t>
             </a:fld>
             <a:endParaRPr lang="en-US"/>
           </a:p>
@@ -460,7 +460,7 @@
           <a:p>
             <a:fld id="{DB69512A-C63A-B04D-8538-30BFADEAC2B7}" type="datetimeFigureOut">
               <a:rPr lang="en-US" smtClean="0"/>
-              <a:t>3/27/20</a:t>
+              <a:t>4/22/21</a:t>
             </a:fld>
             <a:endParaRPr lang="en-US"/>
           </a:p>
@@ -668,7 +668,7 @@
           <a:p>
             <a:fld id="{DB69512A-C63A-B04D-8538-30BFADEAC2B7}" type="datetimeFigureOut">
               <a:rPr lang="en-US" smtClean="0"/>
-              <a:t>3/27/20</a:t>
+              <a:t>4/22/21</a:t>
             </a:fld>
             <a:endParaRPr lang="en-US"/>
           </a:p>
@@ -866,7 +866,7 @@
           <a:p>
             <a:fld id="{DB69512A-C63A-B04D-8538-30BFADEAC2B7}" type="datetimeFigureOut">
               <a:rPr lang="en-US" smtClean="0"/>
-              <a:t>3/27/20</a:t>
+              <a:t>4/22/21</a:t>
             </a:fld>
             <a:endParaRPr lang="en-US"/>
           </a:p>
@@ -1141,7 +1141,7 @@
           <a:p>
             <a:fld id="{DB69512A-C63A-B04D-8538-30BFADEAC2B7}" type="datetimeFigureOut">
               <a:rPr lang="en-US" smtClean="0"/>
-              <a:t>3/27/20</a:t>
+              <a:t>4/22/21</a:t>
             </a:fld>
             <a:endParaRPr lang="en-US"/>
           </a:p>
@@ -1406,7 +1406,7 @@
           <a:p>
             <a:fld id="{DB69512A-C63A-B04D-8538-30BFADEAC2B7}" type="datetimeFigureOut">
               <a:rPr lang="en-US" smtClean="0"/>
-              <a:t>3/27/20</a:t>
+              <a:t>4/22/21</a:t>
             </a:fld>
             <a:endParaRPr lang="en-US"/>
           </a:p>
@@ -1818,7 +1818,7 @@
           <a:p>
             <a:fld id="{DB69512A-C63A-B04D-8538-30BFADEAC2B7}" type="datetimeFigureOut">
               <a:rPr lang="en-US" smtClean="0"/>
-              <a:t>3/27/20</a:t>
+              <a:t>4/22/21</a:t>
             </a:fld>
             <a:endParaRPr lang="en-US"/>
           </a:p>
@@ -1959,7 +1959,7 @@
           <a:p>
             <a:fld id="{DB69512A-C63A-B04D-8538-30BFADEAC2B7}" type="datetimeFigureOut">
               <a:rPr lang="en-US" smtClean="0"/>
-              <a:t>3/27/20</a:t>
+              <a:t>4/22/21</a:t>
             </a:fld>
             <a:endParaRPr lang="en-US"/>
           </a:p>
@@ -2072,7 +2072,7 @@
           <a:p>
             <a:fld id="{DB69512A-C63A-B04D-8538-30BFADEAC2B7}" type="datetimeFigureOut">
               <a:rPr lang="en-US" smtClean="0"/>
-              <a:t>3/27/20</a:t>
+              <a:t>4/22/21</a:t>
             </a:fld>
             <a:endParaRPr lang="en-US"/>
           </a:p>
@@ -2383,7 +2383,7 @@
           <a:p>
             <a:fld id="{DB69512A-C63A-B04D-8538-30BFADEAC2B7}" type="datetimeFigureOut">
               <a:rPr lang="en-US" smtClean="0"/>
-              <a:t>3/27/20</a:t>
+              <a:t>4/22/21</a:t>
             </a:fld>
             <a:endParaRPr lang="en-US"/>
           </a:p>
@@ -2671,7 +2671,7 @@
           <a:p>
             <a:fld id="{DB69512A-C63A-B04D-8538-30BFADEAC2B7}" type="datetimeFigureOut">
               <a:rPr lang="en-US" smtClean="0"/>
-              <a:t>3/27/20</a:t>
+              <a:t>4/22/21</a:t>
             </a:fld>
             <a:endParaRPr lang="en-US"/>
           </a:p>
@@ -2912,7 +2912,7 @@
           <a:p>
             <a:fld id="{DB69512A-C63A-B04D-8538-30BFADEAC2B7}" type="datetimeFigureOut">
               <a:rPr lang="en-US" smtClean="0"/>
-              <a:t>3/27/20</a:t>
+              <a:t>4/22/21</a:t>
             </a:fld>
             <a:endParaRPr lang="en-US"/>
           </a:p>
@@ -3344,7 +3344,7 @@
         <p:spPr>
           <a:xfrm>
             <a:off x="482885" y="513708"/>
-            <a:ext cx="11352944" cy="2862322"/>
+            <a:ext cx="11352944" cy="2585323"/>
           </a:xfrm>
           <a:prstGeom prst="rect">
             <a:avLst/>
@@ -3410,11 +3410,8 @@
             </a:r>
             <a:r>
               <a:rPr lang="en-US" b="1" dirty="0"/>
-              <a:t> works on HTTP2 (also binary)</a:t>
-            </a:r>
-          </a:p>
-          <a:p>
-            <a:endParaRPr lang="en-US" b="1" dirty="0"/>
+              <a:t> works on HTTP2</a:t>
+            </a:r>
           </a:p>
           <a:p>
             <a:r>
